--- a/Patter Desings.pptx
+++ b/Patter Desings.pptx
@@ -1302,7 +1302,7 @@
   <p:cSld>
     <p:spTree>
       <p:nvGrpSpPr>
-        <p:cNvPr id="153" name="Shape 153"/>
+        <p:cNvPr id="156" name="Shape 156"/>
         <p:cNvGrpSpPr/>
         <p:nvPr/>
       </p:nvGrpSpPr>
@@ -1316,7 +1316,7 @@
       </p:grpSpPr>
       <p:sp>
         <p:nvSpPr>
-          <p:cNvPr id="154" name="Google Shape;154;ge22e7f4bf1_1_17:notes"/>
+          <p:cNvPr id="157" name="Google Shape;157;ge22e7f4bf1_1_17:notes"/>
           <p:cNvSpPr/>
           <p:nvPr>
             <p:ph idx="2" type="sldImg"/>
@@ -1351,7 +1351,7 @@
       </p:sp>
       <p:sp>
         <p:nvSpPr>
-          <p:cNvPr id="155" name="Google Shape;155;ge22e7f4bf1_1_17:notes"/>
+          <p:cNvPr id="158" name="Google Shape;158;ge22e7f4bf1_1_17:notes"/>
           <p:cNvSpPr txBox="1"/>
           <p:nvPr>
             <p:ph idx="1" type="body"/>
@@ -1401,7 +1401,7 @@
   <p:cSld>
     <p:spTree>
       <p:nvGrpSpPr>
-        <p:cNvPr id="159" name="Shape 159"/>
+        <p:cNvPr id="162" name="Shape 162"/>
         <p:cNvGrpSpPr/>
         <p:nvPr/>
       </p:nvGrpSpPr>
@@ -1415,7 +1415,7 @@
       </p:grpSpPr>
       <p:sp>
         <p:nvSpPr>
-          <p:cNvPr id="160" name="Google Shape;160;ge22e7f4bf1_1_23:notes"/>
+          <p:cNvPr id="163" name="Google Shape;163;ge22e7f4bf1_1_23:notes"/>
           <p:cNvSpPr/>
           <p:nvPr>
             <p:ph idx="2" type="sldImg"/>
@@ -1450,7 +1450,7 @@
       </p:sp>
       <p:sp>
         <p:nvSpPr>
-          <p:cNvPr id="161" name="Google Shape;161;ge22e7f4bf1_1_23:notes"/>
+          <p:cNvPr id="164" name="Google Shape;164;ge22e7f4bf1_1_23:notes"/>
           <p:cNvSpPr txBox="1"/>
           <p:nvPr>
             <p:ph idx="1" type="body"/>
@@ -1500,7 +1500,7 @@
   <p:cSld>
     <p:spTree>
       <p:nvGrpSpPr>
-        <p:cNvPr id="165" name="Shape 165"/>
+        <p:cNvPr id="168" name="Shape 168"/>
         <p:cNvGrpSpPr/>
         <p:nvPr/>
       </p:nvGrpSpPr>
@@ -1514,7 +1514,7 @@
       </p:grpSpPr>
       <p:sp>
         <p:nvSpPr>
-          <p:cNvPr id="166" name="Google Shape;166;ge22e7f4bf1_1_28:notes"/>
+          <p:cNvPr id="169" name="Google Shape;169;ge22e7f4bf1_1_28:notes"/>
           <p:cNvSpPr/>
           <p:nvPr>
             <p:ph idx="2" type="sldImg"/>
@@ -1549,7 +1549,7 @@
       </p:sp>
       <p:sp>
         <p:nvSpPr>
-          <p:cNvPr id="167" name="Google Shape;167;ge22e7f4bf1_1_28:notes"/>
+          <p:cNvPr id="170" name="Google Shape;170;ge22e7f4bf1_1_28:notes"/>
           <p:cNvSpPr txBox="1"/>
           <p:nvPr>
             <p:ph idx="1" type="body"/>
@@ -1599,7 +1599,7 @@
   <p:cSld>
     <p:spTree>
       <p:nvGrpSpPr>
-        <p:cNvPr id="172" name="Shape 172"/>
+        <p:cNvPr id="175" name="Shape 175"/>
         <p:cNvGrpSpPr/>
         <p:nvPr/>
       </p:nvGrpSpPr>
@@ -1613,7 +1613,7 @@
       </p:grpSpPr>
       <p:sp>
         <p:nvSpPr>
-          <p:cNvPr id="173" name="Google Shape;173;ge22e7f4bf1_1_36:notes"/>
+          <p:cNvPr id="176" name="Google Shape;176;ge22e7f4bf1_1_36:notes"/>
           <p:cNvSpPr/>
           <p:nvPr>
             <p:ph idx="2" type="sldImg"/>
@@ -1648,7 +1648,7 @@
       </p:sp>
       <p:sp>
         <p:nvSpPr>
-          <p:cNvPr id="174" name="Google Shape;174;ge22e7f4bf1_1_36:notes"/>
+          <p:cNvPr id="177" name="Google Shape;177;ge22e7f4bf1_1_36:notes"/>
           <p:cNvSpPr txBox="1"/>
           <p:nvPr>
             <p:ph idx="1" type="body"/>
@@ -7886,6 +7886,210 @@
   <p:clrMapOvr>
     <a:masterClrMapping/>
   </p:clrMapOvr>
+  <p:timing>
+    <p:tnLst>
+      <p:par>
+        <p:cTn dur="indefinite" nodeType="tmRoot" restart="never">
+          <p:childTnLst>
+            <p:seq concurrent="1" nextAc="seek">
+              <p:cTn dur="indefinite" id="2" nodeType="mainSeq">
+                <p:childTnLst>
+                  <p:par>
+                    <p:cTn fill="hold">
+                      <p:stCondLst>
+                        <p:cond delay="indefinite"/>
+                      </p:stCondLst>
+                      <p:childTnLst>
+                        <p:par>
+                          <p:cTn fill="hold">
+                            <p:stCondLst>
+                              <p:cond delay="0"/>
+                            </p:stCondLst>
+                            <p:childTnLst>
+                              <p:par>
+                                <p:cTn fill="hold" nodeType="clickEffect" presetClass="entr" presetID="10" presetSubtype="0">
+                                  <p:stCondLst>
+                                    <p:cond delay="0"/>
+                                  </p:stCondLst>
+                                  <p:childTnLst>
+                                    <p:set>
+                                      <p:cBhvr>
+                                        <p:cTn dur="1" fill="hold">
+                                          <p:stCondLst>
+                                            <p:cond delay="0"/>
+                                          </p:stCondLst>
+                                        </p:cTn>
+                                        <p:tgtEl>
+                                          <p:spTgt spid="140"/>
+                                        </p:tgtEl>
+                                        <p:attrNameLst>
+                                          <p:attrName>style.visibility</p:attrName>
+                                        </p:attrNameLst>
+                                      </p:cBhvr>
+                                      <p:to>
+                                        <p:strVal val="visible"/>
+                                      </p:to>
+                                    </p:set>
+                                    <p:animEffect filter="fade" transition="in">
+                                      <p:cBhvr>
+                                        <p:cTn dur="1000"/>
+                                        <p:tgtEl>
+                                          <p:spTgt spid="140"/>
+                                        </p:tgtEl>
+                                      </p:cBhvr>
+                                    </p:animEffect>
+                                  </p:childTnLst>
+                                </p:cTn>
+                              </p:par>
+                            </p:childTnLst>
+                          </p:cTn>
+                        </p:par>
+                      </p:childTnLst>
+                    </p:cTn>
+                  </p:par>
+                  <p:par>
+                    <p:cTn fill="hold">
+                      <p:stCondLst>
+                        <p:cond delay="indefinite"/>
+                      </p:stCondLst>
+                      <p:childTnLst>
+                        <p:par>
+                          <p:cTn fill="hold">
+                            <p:stCondLst>
+                              <p:cond delay="0"/>
+                            </p:stCondLst>
+                            <p:childTnLst>
+                              <p:par>
+                                <p:cTn fill="hold" nodeType="clickEffect" presetClass="entr" presetID="2" presetSubtype="8">
+                                  <p:stCondLst>
+                                    <p:cond delay="0"/>
+                                  </p:stCondLst>
+                                  <p:childTnLst>
+                                    <p:set>
+                                      <p:cBhvr>
+                                        <p:cTn dur="1" fill="hold">
+                                          <p:stCondLst>
+                                            <p:cond delay="0"/>
+                                          </p:stCondLst>
+                                        </p:cTn>
+                                        <p:tgtEl>
+                                          <p:spTgt spid="142"/>
+                                        </p:tgtEl>
+                                        <p:attrNameLst>
+                                          <p:attrName>style.visibility</p:attrName>
+                                        </p:attrNameLst>
+                                      </p:cBhvr>
+                                      <p:to>
+                                        <p:strVal val="visible"/>
+                                      </p:to>
+                                    </p:set>
+                                    <p:anim calcmode="lin" valueType="num">
+                                      <p:cBhvr additive="base">
+                                        <p:cTn dur="1000"/>
+                                        <p:tgtEl>
+                                          <p:spTgt spid="142"/>
+                                        </p:tgtEl>
+                                        <p:attrNameLst>
+                                          <p:attrName>ppt_x</p:attrName>
+                                        </p:attrNameLst>
+                                      </p:cBhvr>
+                                      <p:tavLst>
+                                        <p:tav fmla="" tm="0">
+                                          <p:val>
+                                            <p:strVal val="#ppt_x-1"/>
+                                          </p:val>
+                                        </p:tav>
+                                        <p:tav fmla="" tm="100000">
+                                          <p:val>
+                                            <p:strVal val="#ppt_x"/>
+                                          </p:val>
+                                        </p:tav>
+                                      </p:tavLst>
+                                    </p:anim>
+                                  </p:childTnLst>
+                                </p:cTn>
+                              </p:par>
+                            </p:childTnLst>
+                          </p:cTn>
+                        </p:par>
+                      </p:childTnLst>
+                    </p:cTn>
+                  </p:par>
+                  <p:par>
+                    <p:cTn fill="hold">
+                      <p:stCondLst>
+                        <p:cond delay="indefinite"/>
+                      </p:stCondLst>
+                      <p:childTnLst>
+                        <p:par>
+                          <p:cTn fill="hold">
+                            <p:stCondLst>
+                              <p:cond delay="0"/>
+                            </p:stCondLst>
+                            <p:childTnLst>
+                              <p:par>
+                                <p:cTn fill="hold" nodeType="clickEffect" presetClass="entr" presetID="10" presetSubtype="0">
+                                  <p:stCondLst>
+                                    <p:cond delay="0"/>
+                                  </p:stCondLst>
+                                  <p:childTnLst>
+                                    <p:set>
+                                      <p:cBhvr>
+                                        <p:cTn dur="1" fill="hold">
+                                          <p:stCondLst>
+                                            <p:cond delay="0"/>
+                                          </p:stCondLst>
+                                        </p:cTn>
+                                        <p:tgtEl>
+                                          <p:spTgt spid="141"/>
+                                        </p:tgtEl>
+                                        <p:attrNameLst>
+                                          <p:attrName>style.visibility</p:attrName>
+                                        </p:attrNameLst>
+                                      </p:cBhvr>
+                                      <p:to>
+                                        <p:strVal val="visible"/>
+                                      </p:to>
+                                    </p:set>
+                                    <p:animEffect filter="fade" transition="in">
+                                      <p:cBhvr>
+                                        <p:cTn dur="1000"/>
+                                        <p:tgtEl>
+                                          <p:spTgt spid="141"/>
+                                        </p:tgtEl>
+                                      </p:cBhvr>
+                                    </p:animEffect>
+                                  </p:childTnLst>
+                                </p:cTn>
+                              </p:par>
+                            </p:childTnLst>
+                          </p:cTn>
+                        </p:par>
+                      </p:childTnLst>
+                    </p:cTn>
+                  </p:par>
+                </p:childTnLst>
+              </p:cTn>
+              <p:prevCondLst>
+                <p:cond evt="onPrev">
+                  <p:tgtEl>
+                    <p:sldTgt/>
+                  </p:tgtEl>
+                </p:cond>
+              </p:prevCondLst>
+              <p:nextCondLst>
+                <p:cond evt="onNext">
+                  <p:tgtEl>
+                    <p:sldTgt/>
+                  </p:tgtEl>
+                </p:cond>
+              </p:nextCondLst>
+            </p:seq>
+          </p:childTnLst>
+        </p:cTn>
+      </p:par>
+    </p:tnLst>
+  </p:timing>
 </p:sld>
 </file>
 
@@ -7960,7 +8164,7 @@
         <p:spPr>
           <a:xfrm>
             <a:off x="311700" y="1152475"/>
-            <a:ext cx="8520600" cy="992100"/>
+            <a:ext cx="2517900" cy="992100"/>
           </a:xfrm>
           <a:prstGeom prst="rect">
             <a:avLst/>
@@ -7968,48 +8172,28 @@
         </p:spPr>
         <p:txBody>
           <a:bodyPr anchorCtr="0" anchor="t" bIns="91425" lIns="91425" spcFirstLastPara="1" rIns="91425" wrap="square" tIns="91425">
-            <a:normAutofit fontScale="77500" lnSpcReduction="20000"/>
+            <a:noAutofit/>
           </a:bodyPr>
           <a:lstStyle/>
           <a:p>
             <a:pPr indent="0" lvl="0" marL="0" rtl="0" algn="l">
-              <a:spcBef>
-                <a:spcPts val="0"/>
-              </a:spcBef>
-              <a:spcAft>
-                <a:spcPts val="0"/>
-              </a:spcAft>
+              <a:lnSpc>
+                <a:spcPct val="95000"/>
+              </a:lnSpc>
+              <a:spcBef>
+                <a:spcPts val="0"/>
+              </a:spcBef>
+              <a:spcAft>
+                <a:spcPts val="1200"/>
+              </a:spcAft>
+              <a:buSzPts val="852"/>
               <a:buNone/>
             </a:pPr>
             <a:r>
-              <a:rPr lang="es-419"/>
+              <a:rPr lang="es-419" sz="1400"/>
               <a:t>Este patrón permite guardar listas de código que se ejecutan en otro momento o múltiples veces. </a:t>
             </a:r>
-            <a:endParaRPr/>
-          </a:p>
-          <a:p>
-            <a:pPr indent="0" lvl="0" marL="0" rtl="0" algn="l">
-              <a:spcBef>
-                <a:spcPts val="1200"/>
-              </a:spcBef>
-              <a:spcAft>
-                <a:spcPts val="1200"/>
-              </a:spcAft>
-              <a:buNone/>
-            </a:pPr>
-            <a:r>
-              <a:rPr lang="es-419"/>
-              <a:t>Una de las ventajas de este patrón, es que permite la extensión de nuevos </a:t>
-            </a:r>
-            <a:r>
-              <a:rPr i="1" lang="es-419"/>
-              <a:t>commands </a:t>
-            </a:r>
-            <a:r>
-              <a:rPr lang="es-419"/>
-              <a:t>con facilidad sin cambiar el código existente.</a:t>
-            </a:r>
-            <a:endParaRPr/>
+            <a:endParaRPr sz="1400"/>
           </a:p>
         </p:txBody>
       </p:sp>
@@ -8029,8 +8213,8 @@
         </p:blipFill>
         <p:spPr>
           <a:xfrm>
-            <a:off x="311700" y="2749075"/>
-            <a:ext cx="4235896" cy="2089625"/>
+            <a:off x="311700" y="2901882"/>
+            <a:ext cx="3934900" cy="1941143"/>
           </a:xfrm>
           <a:prstGeom prst="rect">
             <a:avLst/>
@@ -8057,8 +8241,8 @@
         </p:blipFill>
         <p:spPr>
           <a:xfrm>
-            <a:off x="4675796" y="2744763"/>
-            <a:ext cx="4291605" cy="2098259"/>
+            <a:off x="4772525" y="2901875"/>
+            <a:ext cx="3970256" cy="1941150"/>
           </a:xfrm>
           <a:prstGeom prst="rect">
             <a:avLst/>
@@ -8077,8 +8261,8 @@
         </p:nvSpPr>
         <p:spPr>
           <a:xfrm>
-            <a:off x="1474300" y="2344575"/>
-            <a:ext cx="1910700" cy="400200"/>
+            <a:off x="1391675" y="2602325"/>
+            <a:ext cx="2075100" cy="400200"/>
           </a:xfrm>
           <a:prstGeom prst="rect">
             <a:avLst/>
@@ -8127,8 +8311,8 @@
         </p:nvSpPr>
         <p:spPr>
           <a:xfrm>
-            <a:off x="5866250" y="2408275"/>
-            <a:ext cx="1910700" cy="400200"/>
+            <a:off x="5919525" y="2602325"/>
+            <a:ext cx="1872600" cy="400200"/>
           </a:xfrm>
           <a:prstGeom prst="rect">
             <a:avLst/>
@@ -8169,11 +8353,607 @@
           </a:p>
         </p:txBody>
       </p:sp>
+      <p:pic>
+        <p:nvPicPr>
+          <p:cNvPr id="153" name="Google Shape;153;p26"/>
+          <p:cNvPicPr preferRelativeResize="0"/>
+          <p:nvPr/>
+        </p:nvPicPr>
+        <p:blipFill>
+          <a:blip r:embed="rId5">
+            <a:alphaModFix/>
+          </a:blip>
+          <a:stretch>
+            <a:fillRect/>
+          </a:stretch>
+        </p:blipFill>
+        <p:spPr>
+          <a:xfrm>
+            <a:off x="2933987" y="1057610"/>
+            <a:ext cx="3276025" cy="1358875"/>
+          </a:xfrm>
+          <a:prstGeom prst="rect">
+            <a:avLst/>
+          </a:prstGeom>
+          <a:noFill/>
+          <a:ln>
+            <a:noFill/>
+          </a:ln>
+        </p:spPr>
+      </p:pic>
+      <p:sp>
+        <p:nvSpPr>
+          <p:cNvPr id="154" name="Google Shape;154;p26"/>
+          <p:cNvSpPr txBox="1"/>
+          <p:nvPr/>
+        </p:nvSpPr>
+        <p:spPr>
+          <a:xfrm>
+            <a:off x="6417275" y="1031925"/>
+            <a:ext cx="2475000" cy="1391400"/>
+          </a:xfrm>
+          <a:prstGeom prst="rect">
+            <a:avLst/>
+          </a:prstGeom>
+          <a:noFill/>
+          <a:ln>
+            <a:noFill/>
+          </a:ln>
+        </p:spPr>
+        <p:txBody>
+          <a:bodyPr anchorCtr="0" anchor="t" bIns="91425" lIns="91425" spcFirstLastPara="1" rIns="91425" wrap="square" tIns="91425">
+            <a:spAutoFit/>
+          </a:bodyPr>
+          <a:lstStyle/>
+          <a:p>
+            <a:pPr indent="0" lvl="0" marL="0" rtl="0" algn="l">
+              <a:lnSpc>
+                <a:spcPct val="115000"/>
+              </a:lnSpc>
+              <a:spcBef>
+                <a:spcPts val="0"/>
+              </a:spcBef>
+              <a:spcAft>
+                <a:spcPts val="1200"/>
+              </a:spcAft>
+              <a:buNone/>
+            </a:pPr>
+            <a:r>
+              <a:rPr lang="es-419">
+                <a:solidFill>
+                  <a:schemeClr val="lt2"/>
+                </a:solidFill>
+              </a:rPr>
+              <a:t>Una de las ventajas de este patrón, es que permite la extensión de nuevos </a:t>
+            </a:r>
+            <a:r>
+              <a:rPr i="1" lang="es-419">
+                <a:solidFill>
+                  <a:schemeClr val="lt2"/>
+                </a:solidFill>
+              </a:rPr>
+              <a:t>commands </a:t>
+            </a:r>
+            <a:r>
+              <a:rPr lang="es-419">
+                <a:solidFill>
+                  <a:schemeClr val="lt2"/>
+                </a:solidFill>
+              </a:rPr>
+              <a:t>con facilidad sin cambiar el código existente.</a:t>
+            </a:r>
+            <a:endParaRPr/>
+          </a:p>
+        </p:txBody>
+      </p:sp>
+      <p:sp>
+        <p:nvSpPr>
+          <p:cNvPr id="155" name="Google Shape;155;p26"/>
+          <p:cNvSpPr txBox="1"/>
+          <p:nvPr/>
+        </p:nvSpPr>
+        <p:spPr>
+          <a:xfrm>
+            <a:off x="3681150" y="709425"/>
+            <a:ext cx="1781700" cy="400200"/>
+          </a:xfrm>
+          <a:prstGeom prst="rect">
+            <a:avLst/>
+          </a:prstGeom>
+          <a:noFill/>
+          <a:ln>
+            <a:noFill/>
+          </a:ln>
+        </p:spPr>
+        <p:txBody>
+          <a:bodyPr anchorCtr="0" anchor="t" bIns="91425" lIns="91425" spcFirstLastPara="1" rIns="91425" wrap="square" tIns="91425">
+            <a:spAutoFit/>
+          </a:bodyPr>
+          <a:lstStyle/>
+          <a:p>
+            <a:pPr indent="0" lvl="0" marL="0" rtl="0" algn="l">
+              <a:spcBef>
+                <a:spcPts val="0"/>
+              </a:spcBef>
+              <a:spcAft>
+                <a:spcPts val="0"/>
+              </a:spcAft>
+              <a:buNone/>
+            </a:pPr>
+            <a:r>
+              <a:rPr lang="es-419">
+                <a:solidFill>
+                  <a:schemeClr val="dk1"/>
+                </a:solidFill>
+              </a:rPr>
+              <a:t>Command Interface</a:t>
+            </a:r>
+            <a:endParaRPr>
+              <a:solidFill>
+                <a:schemeClr val="dk1"/>
+              </a:solidFill>
+            </a:endParaRPr>
+          </a:p>
+        </p:txBody>
+      </p:sp>
     </p:spTree>
   </p:cSld>
   <p:clrMapOvr>
     <a:masterClrMapping/>
   </p:clrMapOvr>
+  <p:timing>
+    <p:tnLst>
+      <p:par>
+        <p:cTn dur="indefinite" nodeType="tmRoot" restart="never">
+          <p:childTnLst>
+            <p:seq concurrent="1" nextAc="seek">
+              <p:cTn dur="indefinite" id="2" nodeType="mainSeq">
+                <p:childTnLst>
+                  <p:par>
+                    <p:cTn fill="hold">
+                      <p:stCondLst>
+                        <p:cond delay="indefinite"/>
+                      </p:stCondLst>
+                      <p:childTnLst>
+                        <p:par>
+                          <p:cTn fill="hold">
+                            <p:stCondLst>
+                              <p:cond delay="0"/>
+                            </p:stCondLst>
+                            <p:childTnLst>
+                              <p:par>
+                                <p:cTn fill="hold" nodeType="clickEffect" presetClass="entr" presetID="10" presetSubtype="0">
+                                  <p:stCondLst>
+                                    <p:cond delay="0"/>
+                                  </p:stCondLst>
+                                  <p:childTnLst>
+                                    <p:set>
+                                      <p:cBhvr>
+                                        <p:cTn dur="1" fill="hold">
+                                          <p:stCondLst>
+                                            <p:cond delay="0"/>
+                                          </p:stCondLst>
+                                        </p:cTn>
+                                        <p:tgtEl>
+                                          <p:spTgt spid="147"/>
+                                        </p:tgtEl>
+                                        <p:attrNameLst>
+                                          <p:attrName>style.visibility</p:attrName>
+                                        </p:attrNameLst>
+                                      </p:cBhvr>
+                                      <p:to>
+                                        <p:strVal val="visible"/>
+                                      </p:to>
+                                    </p:set>
+                                    <p:animEffect filter="fade" transition="in">
+                                      <p:cBhvr>
+                                        <p:cTn dur="1000"/>
+                                        <p:tgtEl>
+                                          <p:spTgt spid="147"/>
+                                        </p:tgtEl>
+                                      </p:cBhvr>
+                                    </p:animEffect>
+                                  </p:childTnLst>
+                                </p:cTn>
+                              </p:par>
+                            </p:childTnLst>
+                          </p:cTn>
+                        </p:par>
+                      </p:childTnLst>
+                    </p:cTn>
+                  </p:par>
+                  <p:par>
+                    <p:cTn fill="hold">
+                      <p:stCondLst>
+                        <p:cond delay="indefinite"/>
+                      </p:stCondLst>
+                      <p:childTnLst>
+                        <p:par>
+                          <p:cTn fill="hold">
+                            <p:stCondLst>
+                              <p:cond delay="0"/>
+                            </p:stCondLst>
+                            <p:childTnLst>
+                              <p:par>
+                                <p:cTn fill="hold" nodeType="clickEffect" presetClass="entr" presetID="10" presetSubtype="0">
+                                  <p:stCondLst>
+                                    <p:cond delay="0"/>
+                                  </p:stCondLst>
+                                  <p:childTnLst>
+                                    <p:set>
+                                      <p:cBhvr>
+                                        <p:cTn dur="1" fill="hold">
+                                          <p:stCondLst>
+                                            <p:cond delay="0"/>
+                                          </p:stCondLst>
+                                        </p:cTn>
+                                        <p:tgtEl>
+                                          <p:spTgt spid="148"/>
+                                        </p:tgtEl>
+                                        <p:attrNameLst>
+                                          <p:attrName>style.visibility</p:attrName>
+                                        </p:attrNameLst>
+                                      </p:cBhvr>
+                                      <p:to>
+                                        <p:strVal val="visible"/>
+                                      </p:to>
+                                    </p:set>
+                                    <p:animEffect filter="fade" transition="in">
+                                      <p:cBhvr>
+                                        <p:cTn dur="1000"/>
+                                        <p:tgtEl>
+                                          <p:spTgt spid="148"/>
+                                        </p:tgtEl>
+                                      </p:cBhvr>
+                                    </p:animEffect>
+                                  </p:childTnLst>
+                                </p:cTn>
+                              </p:par>
+                            </p:childTnLst>
+                          </p:cTn>
+                        </p:par>
+                      </p:childTnLst>
+                    </p:cTn>
+                  </p:par>
+                  <p:par>
+                    <p:cTn fill="hold">
+                      <p:stCondLst>
+                        <p:cond delay="indefinite"/>
+                      </p:stCondLst>
+                      <p:childTnLst>
+                        <p:par>
+                          <p:cTn fill="hold">
+                            <p:stCondLst>
+                              <p:cond delay="0"/>
+                            </p:stCondLst>
+                            <p:childTnLst>
+                              <p:par>
+                                <p:cTn fill="hold" nodeType="clickEffect" presetClass="entr" presetID="10" presetSubtype="0">
+                                  <p:stCondLst>
+                                    <p:cond delay="0"/>
+                                  </p:stCondLst>
+                                  <p:childTnLst>
+                                    <p:set>
+                                      <p:cBhvr>
+                                        <p:cTn dur="1" fill="hold">
+                                          <p:stCondLst>
+                                            <p:cond delay="0"/>
+                                          </p:stCondLst>
+                                        </p:cTn>
+                                        <p:tgtEl>
+                                          <p:spTgt spid="154"/>
+                                        </p:tgtEl>
+                                        <p:attrNameLst>
+                                          <p:attrName>style.visibility</p:attrName>
+                                        </p:attrNameLst>
+                                      </p:cBhvr>
+                                      <p:to>
+                                        <p:strVal val="visible"/>
+                                      </p:to>
+                                    </p:set>
+                                    <p:animEffect filter="fade" transition="in">
+                                      <p:cBhvr>
+                                        <p:cTn dur="1000"/>
+                                        <p:tgtEl>
+                                          <p:spTgt spid="154"/>
+                                        </p:tgtEl>
+                                      </p:cBhvr>
+                                    </p:animEffect>
+                                  </p:childTnLst>
+                                </p:cTn>
+                              </p:par>
+                            </p:childTnLst>
+                          </p:cTn>
+                        </p:par>
+                      </p:childTnLst>
+                    </p:cTn>
+                  </p:par>
+                  <p:par>
+                    <p:cTn fill="hold">
+                      <p:stCondLst>
+                        <p:cond delay="indefinite"/>
+                      </p:stCondLst>
+                      <p:childTnLst>
+                        <p:par>
+                          <p:cTn fill="hold">
+                            <p:stCondLst>
+                              <p:cond delay="0"/>
+                            </p:stCondLst>
+                            <p:childTnLst>
+                              <p:par>
+                                <p:cTn fill="hold" nodeType="clickEffect" presetClass="entr" presetID="10" presetSubtype="0">
+                                  <p:stCondLst>
+                                    <p:cond delay="0"/>
+                                  </p:stCondLst>
+                                  <p:childTnLst>
+                                    <p:set>
+                                      <p:cBhvr>
+                                        <p:cTn dur="1" fill="hold">
+                                          <p:stCondLst>
+                                            <p:cond delay="0"/>
+                                          </p:stCondLst>
+                                        </p:cTn>
+                                        <p:tgtEl>
+                                          <p:spTgt spid="155"/>
+                                        </p:tgtEl>
+                                        <p:attrNameLst>
+                                          <p:attrName>style.visibility</p:attrName>
+                                        </p:attrNameLst>
+                                      </p:cBhvr>
+                                      <p:to>
+                                        <p:strVal val="visible"/>
+                                      </p:to>
+                                    </p:set>
+                                    <p:animEffect filter="fade" transition="in">
+                                      <p:cBhvr>
+                                        <p:cTn dur="1000"/>
+                                        <p:tgtEl>
+                                          <p:spTgt spid="155"/>
+                                        </p:tgtEl>
+                                      </p:cBhvr>
+                                    </p:animEffect>
+                                  </p:childTnLst>
+                                </p:cTn>
+                              </p:par>
+                              <p:par>
+                                <p:cTn fill="hold" nodeType="withEffect" presetClass="entr" presetID="10" presetSubtype="0">
+                                  <p:stCondLst>
+                                    <p:cond delay="0"/>
+                                  </p:stCondLst>
+                                  <p:childTnLst>
+                                    <p:set>
+                                      <p:cBhvr>
+                                        <p:cTn dur="1" fill="hold">
+                                          <p:stCondLst>
+                                            <p:cond delay="0"/>
+                                          </p:stCondLst>
+                                        </p:cTn>
+                                        <p:tgtEl>
+                                          <p:spTgt spid="153"/>
+                                        </p:tgtEl>
+                                        <p:attrNameLst>
+                                          <p:attrName>style.visibility</p:attrName>
+                                        </p:attrNameLst>
+                                      </p:cBhvr>
+                                      <p:to>
+                                        <p:strVal val="visible"/>
+                                      </p:to>
+                                    </p:set>
+                                    <p:animEffect filter="fade" transition="in">
+                                      <p:cBhvr>
+                                        <p:cTn dur="1000"/>
+                                        <p:tgtEl>
+                                          <p:spTgt spid="153"/>
+                                        </p:tgtEl>
+                                      </p:cBhvr>
+                                    </p:animEffect>
+                                  </p:childTnLst>
+                                </p:cTn>
+                              </p:par>
+                            </p:childTnLst>
+                          </p:cTn>
+                        </p:par>
+                      </p:childTnLst>
+                    </p:cTn>
+                  </p:par>
+                  <p:par>
+                    <p:cTn fill="hold">
+                      <p:stCondLst>
+                        <p:cond delay="indefinite"/>
+                      </p:stCondLst>
+                      <p:childTnLst>
+                        <p:par>
+                          <p:cTn fill="hold">
+                            <p:stCondLst>
+                              <p:cond delay="0"/>
+                            </p:stCondLst>
+                            <p:childTnLst>
+                              <p:par>
+                                <p:cTn fill="hold" nodeType="clickEffect" presetClass="entr" presetID="10" presetSubtype="0">
+                                  <p:stCondLst>
+                                    <p:cond delay="0"/>
+                                  </p:stCondLst>
+                                  <p:childTnLst>
+                                    <p:set>
+                                      <p:cBhvr>
+                                        <p:cTn dur="1" fill="hold">
+                                          <p:stCondLst>
+                                            <p:cond delay="0"/>
+                                          </p:stCondLst>
+                                        </p:cTn>
+                                        <p:tgtEl>
+                                          <p:spTgt spid="149"/>
+                                        </p:tgtEl>
+                                        <p:attrNameLst>
+                                          <p:attrName>style.visibility</p:attrName>
+                                        </p:attrNameLst>
+                                      </p:cBhvr>
+                                      <p:to>
+                                        <p:strVal val="visible"/>
+                                      </p:to>
+                                    </p:set>
+                                    <p:animEffect filter="fade" transition="in">
+                                      <p:cBhvr>
+                                        <p:cTn dur="1000"/>
+                                        <p:tgtEl>
+                                          <p:spTgt spid="149"/>
+                                        </p:tgtEl>
+                                      </p:cBhvr>
+                                    </p:animEffect>
+                                  </p:childTnLst>
+                                </p:cTn>
+                              </p:par>
+                              <p:par>
+                                <p:cTn fill="hold" nodeType="withEffect" presetClass="entr" presetID="10" presetSubtype="0">
+                                  <p:stCondLst>
+                                    <p:cond delay="0"/>
+                                  </p:stCondLst>
+                                  <p:childTnLst>
+                                    <p:set>
+                                      <p:cBhvr>
+                                        <p:cTn dur="1" fill="hold">
+                                          <p:stCondLst>
+                                            <p:cond delay="0"/>
+                                          </p:stCondLst>
+                                        </p:cTn>
+                                        <p:tgtEl>
+                                          <p:spTgt spid="151"/>
+                                        </p:tgtEl>
+                                        <p:attrNameLst>
+                                          <p:attrName>style.visibility</p:attrName>
+                                        </p:attrNameLst>
+                                      </p:cBhvr>
+                                      <p:to>
+                                        <p:strVal val="visible"/>
+                                      </p:to>
+                                    </p:set>
+                                    <p:animEffect filter="fade" transition="in">
+                                      <p:cBhvr>
+                                        <p:cTn dur="1000"/>
+                                        <p:tgtEl>
+                                          <p:spTgt spid="151"/>
+                                        </p:tgtEl>
+                                      </p:cBhvr>
+                                    </p:animEffect>
+                                  </p:childTnLst>
+                                </p:cTn>
+                              </p:par>
+                            </p:childTnLst>
+                          </p:cTn>
+                        </p:par>
+                      </p:childTnLst>
+                    </p:cTn>
+                  </p:par>
+                  <p:par>
+                    <p:cTn fill="hold">
+                      <p:stCondLst>
+                        <p:cond delay="indefinite"/>
+                      </p:stCondLst>
+                      <p:childTnLst>
+                        <p:par>
+                          <p:cTn fill="hold">
+                            <p:stCondLst>
+                              <p:cond delay="0"/>
+                            </p:stCondLst>
+                            <p:childTnLst>
+                              <p:par>
+                                <p:cTn fill="hold" nodeType="clickEffect" presetClass="entr" presetID="10" presetSubtype="0">
+                                  <p:stCondLst>
+                                    <p:cond delay="0"/>
+                                  </p:stCondLst>
+                                  <p:childTnLst>
+                                    <p:set>
+                                      <p:cBhvr>
+                                        <p:cTn dur="1" fill="hold">
+                                          <p:stCondLst>
+                                            <p:cond delay="0"/>
+                                          </p:stCondLst>
+                                        </p:cTn>
+                                        <p:tgtEl>
+                                          <p:spTgt spid="150"/>
+                                        </p:tgtEl>
+                                        <p:attrNameLst>
+                                          <p:attrName>style.visibility</p:attrName>
+                                        </p:attrNameLst>
+                                      </p:cBhvr>
+                                      <p:to>
+                                        <p:strVal val="visible"/>
+                                      </p:to>
+                                    </p:set>
+                                    <p:animEffect filter="fade" transition="in">
+                                      <p:cBhvr>
+                                        <p:cTn dur="1000"/>
+                                        <p:tgtEl>
+                                          <p:spTgt spid="150"/>
+                                        </p:tgtEl>
+                                      </p:cBhvr>
+                                    </p:animEffect>
+                                  </p:childTnLst>
+                                </p:cTn>
+                              </p:par>
+                              <p:par>
+                                <p:cTn fill="hold" nodeType="withEffect" presetClass="entr" presetID="10" presetSubtype="0">
+                                  <p:stCondLst>
+                                    <p:cond delay="0"/>
+                                  </p:stCondLst>
+                                  <p:childTnLst>
+                                    <p:set>
+                                      <p:cBhvr>
+                                        <p:cTn dur="1" fill="hold">
+                                          <p:stCondLst>
+                                            <p:cond delay="0"/>
+                                          </p:stCondLst>
+                                        </p:cTn>
+                                        <p:tgtEl>
+                                          <p:spTgt spid="152"/>
+                                        </p:tgtEl>
+                                        <p:attrNameLst>
+                                          <p:attrName>style.visibility</p:attrName>
+                                        </p:attrNameLst>
+                                      </p:cBhvr>
+                                      <p:to>
+                                        <p:strVal val="visible"/>
+                                      </p:to>
+                                    </p:set>
+                                    <p:animEffect filter="fade" transition="in">
+                                      <p:cBhvr>
+                                        <p:cTn dur="1000"/>
+                                        <p:tgtEl>
+                                          <p:spTgt spid="152"/>
+                                        </p:tgtEl>
+                                      </p:cBhvr>
+                                    </p:animEffect>
+                                  </p:childTnLst>
+                                </p:cTn>
+                              </p:par>
+                            </p:childTnLst>
+                          </p:cTn>
+                        </p:par>
+                      </p:childTnLst>
+                    </p:cTn>
+                  </p:par>
+                </p:childTnLst>
+              </p:cTn>
+              <p:prevCondLst>
+                <p:cond evt="onPrev">
+                  <p:tgtEl>
+                    <p:sldTgt/>
+                  </p:tgtEl>
+                </p:cond>
+              </p:prevCondLst>
+              <p:nextCondLst>
+                <p:cond evt="onNext">
+                  <p:tgtEl>
+                    <p:sldTgt/>
+                  </p:tgtEl>
+                </p:cond>
+              </p:nextCondLst>
+            </p:seq>
+          </p:childTnLst>
+        </p:cTn>
+      </p:par>
+    </p:tnLst>
+  </p:timing>
 </p:sld>
 </file>
 
@@ -8182,7 +8962,7 @@
   <p:cSld>
     <p:spTree>
       <p:nvGrpSpPr>
-        <p:cNvPr id="156" name="Shape 156"/>
+        <p:cNvPr id="159" name="Shape 159"/>
         <p:cNvGrpSpPr/>
         <p:nvPr/>
       </p:nvGrpSpPr>
@@ -8196,7 +8976,7 @@
       </p:grpSpPr>
       <p:sp>
         <p:nvSpPr>
-          <p:cNvPr id="157" name="Google Shape;157;p27"/>
+          <p:cNvPr id="160" name="Google Shape;160;p27"/>
           <p:cNvSpPr txBox="1"/>
           <p:nvPr>
             <p:ph type="title"/>
@@ -8236,7 +9016,7 @@
       </p:sp>
       <p:pic>
         <p:nvPicPr>
-          <p:cNvPr id="158" name="Google Shape;158;p27"/>
+          <p:cNvPr id="161" name="Google Shape;161;p27"/>
           <p:cNvPicPr preferRelativeResize="0"/>
           <p:nvPr/>
         </p:nvPicPr>
@@ -8267,6 +9047,180 @@
   <p:clrMapOvr>
     <a:masterClrMapping/>
   </p:clrMapOvr>
+  <p:timing>
+    <p:tnLst>
+      <p:par>
+        <p:cTn dur="indefinite" nodeType="tmRoot" restart="never">
+          <p:childTnLst>
+            <p:seq concurrent="1" nextAc="seek">
+              <p:cTn dur="indefinite" id="2" nodeType="mainSeq">
+                <p:childTnLst>
+                  <p:par>
+                    <p:cTn fill="hold">
+                      <p:stCondLst>
+                        <p:cond delay="indefinite"/>
+                      </p:stCondLst>
+                      <p:childTnLst>
+                        <p:par>
+                          <p:cTn fill="hold">
+                            <p:stCondLst>
+                              <p:cond delay="0"/>
+                            </p:stCondLst>
+                            <p:childTnLst>
+                              <p:par>
+                                <p:cTn fill="hold" nodeType="clickEffect" presetClass="entr" presetID="10" presetSubtype="0">
+                                  <p:stCondLst>
+                                    <p:cond delay="0"/>
+                                  </p:stCondLst>
+                                  <p:childTnLst>
+                                    <p:set>
+                                      <p:cBhvr>
+                                        <p:cTn dur="1" fill="hold">
+                                          <p:stCondLst>
+                                            <p:cond delay="0"/>
+                                          </p:stCondLst>
+                                        </p:cTn>
+                                        <p:tgtEl>
+                                          <p:spTgt spid="160"/>
+                                        </p:tgtEl>
+                                        <p:attrNameLst>
+                                          <p:attrName>style.visibility</p:attrName>
+                                        </p:attrNameLst>
+                                      </p:cBhvr>
+                                      <p:to>
+                                        <p:strVal val="visible"/>
+                                      </p:to>
+                                    </p:set>
+                                    <p:animEffect filter="fade" transition="in">
+                                      <p:cBhvr>
+                                        <p:cTn dur="1000"/>
+                                        <p:tgtEl>
+                                          <p:spTgt spid="160"/>
+                                        </p:tgtEl>
+                                      </p:cBhvr>
+                                    </p:animEffect>
+                                  </p:childTnLst>
+                                </p:cTn>
+                              </p:par>
+                            </p:childTnLst>
+                          </p:cTn>
+                        </p:par>
+                      </p:childTnLst>
+                    </p:cTn>
+                  </p:par>
+                  <p:par>
+                    <p:cTn fill="hold">
+                      <p:stCondLst>
+                        <p:cond delay="indefinite"/>
+                      </p:stCondLst>
+                      <p:childTnLst>
+                        <p:par>
+                          <p:cTn fill="hold">
+                            <p:stCondLst>
+                              <p:cond delay="0"/>
+                            </p:stCondLst>
+                            <p:childTnLst>
+                              <p:par>
+                                <p:cTn fill="hold" nodeType="clickEffect" presetClass="entr" presetID="23" presetSubtype="16">
+                                  <p:stCondLst>
+                                    <p:cond delay="0"/>
+                                  </p:stCondLst>
+                                  <p:childTnLst>
+                                    <p:set>
+                                      <p:cBhvr>
+                                        <p:cTn dur="1" fill="hold">
+                                          <p:stCondLst>
+                                            <p:cond delay="0"/>
+                                          </p:stCondLst>
+                                        </p:cTn>
+                                        <p:tgtEl>
+                                          <p:spTgt spid="161"/>
+                                        </p:tgtEl>
+                                        <p:attrNameLst>
+                                          <p:attrName>style.visibility</p:attrName>
+                                        </p:attrNameLst>
+                                      </p:cBhvr>
+                                      <p:to>
+                                        <p:strVal val="visible"/>
+                                      </p:to>
+                                    </p:set>
+                                    <p:anim calcmode="lin" valueType="num">
+                                      <p:cBhvr additive="base">
+                                        <p:cTn dur="1000"/>
+                                        <p:tgtEl>
+                                          <p:spTgt spid="161"/>
+                                        </p:tgtEl>
+                                        <p:attrNameLst>
+                                          <p:attrName>ppt_w</p:attrName>
+                                        </p:attrNameLst>
+                                      </p:cBhvr>
+                                      <p:tavLst>
+                                        <p:tav fmla="" tm="0">
+                                          <p:val>
+                                            <p:strVal val="0"/>
+                                          </p:val>
+                                        </p:tav>
+                                        <p:tav fmla="" tm="100000">
+                                          <p:val>
+                                            <p:strVal val="#ppt_w"/>
+                                          </p:val>
+                                        </p:tav>
+                                      </p:tavLst>
+                                    </p:anim>
+                                    <p:anim calcmode="lin" valueType="num">
+                                      <p:cBhvr additive="base">
+                                        <p:cTn dur="1000"/>
+                                        <p:tgtEl>
+                                          <p:spTgt spid="161"/>
+                                        </p:tgtEl>
+                                        <p:attrNameLst>
+                                          <p:attrName>ppt_h</p:attrName>
+                                        </p:attrNameLst>
+                                      </p:cBhvr>
+                                      <p:tavLst>
+                                        <p:tav fmla="" tm="0">
+                                          <p:val>
+                                            <p:strVal val="0"/>
+                                          </p:val>
+                                        </p:tav>
+                                        <p:tav fmla="" tm="100000">
+                                          <p:val>
+                                            <p:strVal val="#ppt_h"/>
+                                          </p:val>
+                                        </p:tav>
+                                      </p:tavLst>
+                                    </p:anim>
+                                  </p:childTnLst>
+                                </p:cTn>
+                              </p:par>
+                            </p:childTnLst>
+                          </p:cTn>
+                        </p:par>
+                      </p:childTnLst>
+                    </p:cTn>
+                  </p:par>
+                </p:childTnLst>
+              </p:cTn>
+              <p:prevCondLst>
+                <p:cond evt="onPrev">
+                  <p:tgtEl>
+                    <p:sldTgt/>
+                  </p:tgtEl>
+                </p:cond>
+              </p:prevCondLst>
+              <p:nextCondLst>
+                <p:cond evt="onNext">
+                  <p:tgtEl>
+                    <p:sldTgt/>
+                  </p:tgtEl>
+                </p:cond>
+              </p:nextCondLst>
+            </p:seq>
+          </p:childTnLst>
+        </p:cTn>
+      </p:par>
+    </p:tnLst>
+  </p:timing>
 </p:sld>
 </file>
 
@@ -8275,7 +9229,7 @@
   <p:cSld>
     <p:spTree>
       <p:nvGrpSpPr>
-        <p:cNvPr id="162" name="Shape 162"/>
+        <p:cNvPr id="165" name="Shape 165"/>
         <p:cNvGrpSpPr/>
         <p:nvPr/>
       </p:nvGrpSpPr>
@@ -8289,7 +9243,7 @@
       </p:grpSpPr>
       <p:sp>
         <p:nvSpPr>
-          <p:cNvPr id="163" name="Google Shape;163;p28"/>
+          <p:cNvPr id="166" name="Google Shape;166;p28"/>
           <p:cNvSpPr txBox="1"/>
           <p:nvPr>
             <p:ph type="title"/>
@@ -8329,7 +9283,7 @@
       </p:sp>
       <p:sp>
         <p:nvSpPr>
-          <p:cNvPr id="164" name="Google Shape;164;p28"/>
+          <p:cNvPr id="167" name="Google Shape;167;p28"/>
           <p:cNvSpPr txBox="1"/>
           <p:nvPr>
             <p:ph idx="1" type="body"/>
@@ -8409,7 +9363,7 @@
             </a:pPr>
             <a:r>
               <a:rPr lang="es-419"/>
-              <a:t>-Creamos comando </a:t>
+              <a:t>-Creamos comandos </a:t>
             </a:r>
             <a:r>
               <a:rPr lang="es-419"/>
@@ -8460,6 +9414,469 @@
   <p:clrMapOvr>
     <a:masterClrMapping/>
   </p:clrMapOvr>
+  <p:timing>
+    <p:tnLst>
+      <p:par>
+        <p:cTn dur="indefinite" nodeType="tmRoot" restart="never">
+          <p:childTnLst>
+            <p:seq concurrent="1" nextAc="seek">
+              <p:cTn dur="indefinite" id="2" nodeType="mainSeq">
+                <p:childTnLst>
+                  <p:par>
+                    <p:cTn fill="hold">
+                      <p:stCondLst>
+                        <p:cond delay="indefinite"/>
+                      </p:stCondLst>
+                      <p:childTnLst>
+                        <p:par>
+                          <p:cTn fill="hold">
+                            <p:stCondLst>
+                              <p:cond delay="0"/>
+                            </p:stCondLst>
+                            <p:childTnLst>
+                              <p:par>
+                                <p:cTn fill="hold" nodeType="clickEffect" presetClass="entr" presetID="10" presetSubtype="0">
+                                  <p:stCondLst>
+                                    <p:cond delay="0"/>
+                                  </p:stCondLst>
+                                  <p:childTnLst>
+                                    <p:set>
+                                      <p:cBhvr>
+                                        <p:cTn dur="1" fill="hold">
+                                          <p:stCondLst>
+                                            <p:cond delay="0"/>
+                                          </p:stCondLst>
+                                        </p:cTn>
+                                        <p:tgtEl>
+                                          <p:spTgt spid="166"/>
+                                        </p:tgtEl>
+                                        <p:attrNameLst>
+                                          <p:attrName>style.visibility</p:attrName>
+                                        </p:attrNameLst>
+                                      </p:cBhvr>
+                                      <p:to>
+                                        <p:strVal val="visible"/>
+                                      </p:to>
+                                    </p:set>
+                                    <p:animEffect filter="fade" transition="in">
+                                      <p:cBhvr>
+                                        <p:cTn dur="1000"/>
+                                        <p:tgtEl>
+                                          <p:spTgt spid="166"/>
+                                        </p:tgtEl>
+                                      </p:cBhvr>
+                                    </p:animEffect>
+                                  </p:childTnLst>
+                                </p:cTn>
+                              </p:par>
+                            </p:childTnLst>
+                          </p:cTn>
+                        </p:par>
+                      </p:childTnLst>
+                    </p:cTn>
+                  </p:par>
+                  <p:par>
+                    <p:cTn fill="hold">
+                      <p:stCondLst>
+                        <p:cond delay="indefinite"/>
+                      </p:stCondLst>
+                      <p:childTnLst>
+                        <p:par>
+                          <p:cTn fill="hold">
+                            <p:stCondLst>
+                              <p:cond delay="0"/>
+                            </p:stCondLst>
+                            <p:childTnLst>
+                              <p:par>
+                                <p:cTn fill="hold" nodeType="clickEffect" presetClass="entr" presetID="2" presetSubtype="8">
+                                  <p:stCondLst>
+                                    <p:cond delay="0"/>
+                                  </p:stCondLst>
+                                  <p:childTnLst>
+                                    <p:set>
+                                      <p:cBhvr>
+                                        <p:cTn dur="1" fill="hold">
+                                          <p:stCondLst>
+                                            <p:cond delay="0"/>
+                                          </p:stCondLst>
+                                        </p:cTn>
+                                        <p:tgtEl>
+                                          <p:spTgt spid="167">
+                                            <p:txEl>
+                                              <p:pRg end="0" st="0"/>
+                                            </p:txEl>
+                                          </p:spTgt>
+                                        </p:tgtEl>
+                                        <p:attrNameLst>
+                                          <p:attrName>style.visibility</p:attrName>
+                                        </p:attrNameLst>
+                                      </p:cBhvr>
+                                      <p:to>
+                                        <p:strVal val="visible"/>
+                                      </p:to>
+                                    </p:set>
+                                    <p:anim calcmode="lin" valueType="num">
+                                      <p:cBhvr additive="base">
+                                        <p:cTn dur="1000"/>
+                                        <p:tgtEl>
+                                          <p:spTgt spid="167">
+                                            <p:txEl>
+                                              <p:pRg end="0" st="0"/>
+                                            </p:txEl>
+                                          </p:spTgt>
+                                        </p:tgtEl>
+                                        <p:attrNameLst>
+                                          <p:attrName>ppt_x</p:attrName>
+                                        </p:attrNameLst>
+                                      </p:cBhvr>
+                                      <p:tavLst>
+                                        <p:tav fmla="" tm="0">
+                                          <p:val>
+                                            <p:strVal val="#ppt_x-1"/>
+                                          </p:val>
+                                        </p:tav>
+                                        <p:tav fmla="" tm="100000">
+                                          <p:val>
+                                            <p:strVal val="#ppt_x"/>
+                                          </p:val>
+                                        </p:tav>
+                                      </p:tavLst>
+                                    </p:anim>
+                                  </p:childTnLst>
+                                </p:cTn>
+                              </p:par>
+                            </p:childTnLst>
+                          </p:cTn>
+                        </p:par>
+                      </p:childTnLst>
+                    </p:cTn>
+                  </p:par>
+                  <p:par>
+                    <p:cTn fill="hold">
+                      <p:stCondLst>
+                        <p:cond delay="indefinite"/>
+                      </p:stCondLst>
+                      <p:childTnLst>
+                        <p:par>
+                          <p:cTn fill="hold">
+                            <p:stCondLst>
+                              <p:cond delay="0"/>
+                            </p:stCondLst>
+                            <p:childTnLst>
+                              <p:par>
+                                <p:cTn fill="hold" nodeType="clickEffect" presetClass="entr" presetID="2" presetSubtype="8">
+                                  <p:stCondLst>
+                                    <p:cond delay="0"/>
+                                  </p:stCondLst>
+                                  <p:childTnLst>
+                                    <p:set>
+                                      <p:cBhvr>
+                                        <p:cTn dur="1" fill="hold">
+                                          <p:stCondLst>
+                                            <p:cond delay="0"/>
+                                          </p:stCondLst>
+                                        </p:cTn>
+                                        <p:tgtEl>
+                                          <p:spTgt spid="167">
+                                            <p:txEl>
+                                              <p:pRg end="1" st="1"/>
+                                            </p:txEl>
+                                          </p:spTgt>
+                                        </p:tgtEl>
+                                        <p:attrNameLst>
+                                          <p:attrName>style.visibility</p:attrName>
+                                        </p:attrNameLst>
+                                      </p:cBhvr>
+                                      <p:to>
+                                        <p:strVal val="visible"/>
+                                      </p:to>
+                                    </p:set>
+                                    <p:anim calcmode="lin" valueType="num">
+                                      <p:cBhvr additive="base">
+                                        <p:cTn dur="1000"/>
+                                        <p:tgtEl>
+                                          <p:spTgt spid="167">
+                                            <p:txEl>
+                                              <p:pRg end="1" st="1"/>
+                                            </p:txEl>
+                                          </p:spTgt>
+                                        </p:tgtEl>
+                                        <p:attrNameLst>
+                                          <p:attrName>ppt_x</p:attrName>
+                                        </p:attrNameLst>
+                                      </p:cBhvr>
+                                      <p:tavLst>
+                                        <p:tav fmla="" tm="0">
+                                          <p:val>
+                                            <p:strVal val="#ppt_x-1"/>
+                                          </p:val>
+                                        </p:tav>
+                                        <p:tav fmla="" tm="100000">
+                                          <p:val>
+                                            <p:strVal val="#ppt_x"/>
+                                          </p:val>
+                                        </p:tav>
+                                      </p:tavLst>
+                                    </p:anim>
+                                  </p:childTnLst>
+                                </p:cTn>
+                              </p:par>
+                            </p:childTnLst>
+                          </p:cTn>
+                        </p:par>
+                      </p:childTnLst>
+                    </p:cTn>
+                  </p:par>
+                  <p:par>
+                    <p:cTn fill="hold">
+                      <p:stCondLst>
+                        <p:cond delay="indefinite"/>
+                      </p:stCondLst>
+                      <p:childTnLst>
+                        <p:par>
+                          <p:cTn fill="hold">
+                            <p:stCondLst>
+                              <p:cond delay="0"/>
+                            </p:stCondLst>
+                            <p:childTnLst>
+                              <p:par>
+                                <p:cTn fill="hold" nodeType="clickEffect" presetClass="entr" presetID="2" presetSubtype="8">
+                                  <p:stCondLst>
+                                    <p:cond delay="0"/>
+                                  </p:stCondLst>
+                                  <p:childTnLst>
+                                    <p:set>
+                                      <p:cBhvr>
+                                        <p:cTn dur="1" fill="hold">
+                                          <p:stCondLst>
+                                            <p:cond delay="0"/>
+                                          </p:stCondLst>
+                                        </p:cTn>
+                                        <p:tgtEl>
+                                          <p:spTgt spid="167">
+                                            <p:txEl>
+                                              <p:pRg end="2" st="2"/>
+                                            </p:txEl>
+                                          </p:spTgt>
+                                        </p:tgtEl>
+                                        <p:attrNameLst>
+                                          <p:attrName>style.visibility</p:attrName>
+                                        </p:attrNameLst>
+                                      </p:cBhvr>
+                                      <p:to>
+                                        <p:strVal val="visible"/>
+                                      </p:to>
+                                    </p:set>
+                                    <p:anim calcmode="lin" valueType="num">
+                                      <p:cBhvr additive="base">
+                                        <p:cTn dur="1000"/>
+                                        <p:tgtEl>
+                                          <p:spTgt spid="167">
+                                            <p:txEl>
+                                              <p:pRg end="2" st="2"/>
+                                            </p:txEl>
+                                          </p:spTgt>
+                                        </p:tgtEl>
+                                        <p:attrNameLst>
+                                          <p:attrName>ppt_x</p:attrName>
+                                        </p:attrNameLst>
+                                      </p:cBhvr>
+                                      <p:tavLst>
+                                        <p:tav fmla="" tm="0">
+                                          <p:val>
+                                            <p:strVal val="#ppt_x-1"/>
+                                          </p:val>
+                                        </p:tav>
+                                        <p:tav fmla="" tm="100000">
+                                          <p:val>
+                                            <p:strVal val="#ppt_x"/>
+                                          </p:val>
+                                        </p:tav>
+                                      </p:tavLst>
+                                    </p:anim>
+                                  </p:childTnLst>
+                                </p:cTn>
+                              </p:par>
+                            </p:childTnLst>
+                          </p:cTn>
+                        </p:par>
+                      </p:childTnLst>
+                    </p:cTn>
+                  </p:par>
+                  <p:par>
+                    <p:cTn fill="hold">
+                      <p:stCondLst>
+                        <p:cond delay="indefinite"/>
+                      </p:stCondLst>
+                      <p:childTnLst>
+                        <p:par>
+                          <p:cTn fill="hold">
+                            <p:stCondLst>
+                              <p:cond delay="0"/>
+                            </p:stCondLst>
+                            <p:childTnLst>
+                              <p:par>
+                                <p:cTn fill="hold" nodeType="clickEffect" presetClass="entr" presetID="2" presetSubtype="8">
+                                  <p:stCondLst>
+                                    <p:cond delay="0"/>
+                                  </p:stCondLst>
+                                  <p:childTnLst>
+                                    <p:set>
+                                      <p:cBhvr>
+                                        <p:cTn dur="1" fill="hold">
+                                          <p:stCondLst>
+                                            <p:cond delay="0"/>
+                                          </p:stCondLst>
+                                        </p:cTn>
+                                        <p:tgtEl>
+                                          <p:spTgt spid="167">
+                                            <p:txEl>
+                                              <p:pRg end="3" st="3"/>
+                                            </p:txEl>
+                                          </p:spTgt>
+                                        </p:tgtEl>
+                                        <p:attrNameLst>
+                                          <p:attrName>style.visibility</p:attrName>
+                                        </p:attrNameLst>
+                                      </p:cBhvr>
+                                      <p:to>
+                                        <p:strVal val="visible"/>
+                                      </p:to>
+                                    </p:set>
+                                    <p:anim calcmode="lin" valueType="num">
+                                      <p:cBhvr additive="base">
+                                        <p:cTn dur="1000"/>
+                                        <p:tgtEl>
+                                          <p:spTgt spid="167">
+                                            <p:txEl>
+                                              <p:pRg end="3" st="3"/>
+                                            </p:txEl>
+                                          </p:spTgt>
+                                        </p:tgtEl>
+                                        <p:attrNameLst>
+                                          <p:attrName>ppt_x</p:attrName>
+                                        </p:attrNameLst>
+                                      </p:cBhvr>
+                                      <p:tavLst>
+                                        <p:tav fmla="" tm="0">
+                                          <p:val>
+                                            <p:strVal val="#ppt_x-1"/>
+                                          </p:val>
+                                        </p:tav>
+                                        <p:tav fmla="" tm="100000">
+                                          <p:val>
+                                            <p:strVal val="#ppt_x"/>
+                                          </p:val>
+                                        </p:tav>
+                                      </p:tavLst>
+                                    </p:anim>
+                                  </p:childTnLst>
+                                </p:cTn>
+                              </p:par>
+                            </p:childTnLst>
+                          </p:cTn>
+                        </p:par>
+                      </p:childTnLst>
+                    </p:cTn>
+                  </p:par>
+                  <p:par>
+                    <p:cTn fill="hold">
+                      <p:stCondLst>
+                        <p:cond delay="indefinite"/>
+                      </p:stCondLst>
+                      <p:childTnLst>
+                        <p:par>
+                          <p:cTn fill="hold">
+                            <p:stCondLst>
+                              <p:cond delay="0"/>
+                            </p:stCondLst>
+                            <p:childTnLst>
+                              <p:par>
+                                <p:cTn fill="hold" nodeType="clickEffect" presetClass="entr" presetID="2" presetSubtype="8">
+                                  <p:stCondLst>
+                                    <p:cond delay="0"/>
+                                  </p:stCondLst>
+                                  <p:childTnLst>
+                                    <p:set>
+                                      <p:cBhvr>
+                                        <p:cTn dur="1" fill="hold">
+                                          <p:stCondLst>
+                                            <p:cond delay="0"/>
+                                          </p:stCondLst>
+                                        </p:cTn>
+                                        <p:tgtEl>
+                                          <p:spTgt spid="167">
+                                            <p:txEl>
+                                              <p:pRg end="4" st="4"/>
+                                            </p:txEl>
+                                          </p:spTgt>
+                                        </p:tgtEl>
+                                        <p:attrNameLst>
+                                          <p:attrName>style.visibility</p:attrName>
+                                        </p:attrNameLst>
+                                      </p:cBhvr>
+                                      <p:to>
+                                        <p:strVal val="visible"/>
+                                      </p:to>
+                                    </p:set>
+                                    <p:anim calcmode="lin" valueType="num">
+                                      <p:cBhvr additive="base">
+                                        <p:cTn dur="1000"/>
+                                        <p:tgtEl>
+                                          <p:spTgt spid="167">
+                                            <p:txEl>
+                                              <p:pRg end="4" st="4"/>
+                                            </p:txEl>
+                                          </p:spTgt>
+                                        </p:tgtEl>
+                                        <p:attrNameLst>
+                                          <p:attrName>ppt_x</p:attrName>
+                                        </p:attrNameLst>
+                                      </p:cBhvr>
+                                      <p:tavLst>
+                                        <p:tav fmla="" tm="0">
+                                          <p:val>
+                                            <p:strVal val="#ppt_x-1"/>
+                                          </p:val>
+                                        </p:tav>
+                                        <p:tav fmla="" tm="100000">
+                                          <p:val>
+                                            <p:strVal val="#ppt_x"/>
+                                          </p:val>
+                                        </p:tav>
+                                      </p:tavLst>
+                                    </p:anim>
+                                  </p:childTnLst>
+                                </p:cTn>
+                              </p:par>
+                            </p:childTnLst>
+                          </p:cTn>
+                        </p:par>
+                      </p:childTnLst>
+                    </p:cTn>
+                  </p:par>
+                </p:childTnLst>
+              </p:cTn>
+              <p:prevCondLst>
+                <p:cond evt="onPrev">
+                  <p:tgtEl>
+                    <p:sldTgt/>
+                  </p:tgtEl>
+                </p:cond>
+              </p:prevCondLst>
+              <p:nextCondLst>
+                <p:cond evt="onNext">
+                  <p:tgtEl>
+                    <p:sldTgt/>
+                  </p:tgtEl>
+                </p:cond>
+              </p:nextCondLst>
+            </p:seq>
+          </p:childTnLst>
+        </p:cTn>
+      </p:par>
+    </p:tnLst>
+  </p:timing>
 </p:sld>
 </file>
 
@@ -8468,7 +9885,7 @@
   <p:cSld>
     <p:spTree>
       <p:nvGrpSpPr>
-        <p:cNvPr id="168" name="Shape 168"/>
+        <p:cNvPr id="171" name="Shape 171"/>
         <p:cNvGrpSpPr/>
         <p:nvPr/>
       </p:nvGrpSpPr>
@@ -8482,7 +9899,7 @@
       </p:grpSpPr>
       <p:sp>
         <p:nvSpPr>
-          <p:cNvPr id="169" name="Google Shape;169;p29"/>
+          <p:cNvPr id="172" name="Google Shape;172;p29"/>
           <p:cNvSpPr txBox="1"/>
           <p:nvPr>
             <p:ph type="title"/>
@@ -8522,7 +9939,7 @@
       </p:sp>
       <p:sp>
         <p:nvSpPr>
-          <p:cNvPr id="170" name="Google Shape;170;p29"/>
+          <p:cNvPr id="173" name="Google Shape;173;p29"/>
           <p:cNvSpPr txBox="1"/>
           <p:nvPr>
             <p:ph idx="1" type="body"/>
@@ -8562,7 +9979,7 @@
       </p:sp>
       <p:pic>
         <p:nvPicPr>
-          <p:cNvPr id="171" name="Google Shape;171;p29"/>
+          <p:cNvPr id="174" name="Google Shape;174;p29"/>
           <p:cNvPicPr preferRelativeResize="0"/>
           <p:nvPr/>
         </p:nvPicPr>
@@ -8593,6 +10010,195 @@
   <p:clrMapOvr>
     <a:masterClrMapping/>
   </p:clrMapOvr>
+  <p:timing>
+    <p:tnLst>
+      <p:par>
+        <p:cTn dur="indefinite" nodeType="tmRoot" restart="never">
+          <p:childTnLst>
+            <p:seq concurrent="1" nextAc="seek">
+              <p:cTn dur="indefinite" id="2" nodeType="mainSeq">
+                <p:childTnLst>
+                  <p:par>
+                    <p:cTn fill="hold">
+                      <p:stCondLst>
+                        <p:cond delay="indefinite"/>
+                      </p:stCondLst>
+                      <p:childTnLst>
+                        <p:par>
+                          <p:cTn fill="hold">
+                            <p:stCondLst>
+                              <p:cond delay="0"/>
+                            </p:stCondLst>
+                            <p:childTnLst>
+                              <p:par>
+                                <p:cTn fill="hold" nodeType="clickEffect" presetClass="entr" presetID="10" presetSubtype="0">
+                                  <p:stCondLst>
+                                    <p:cond delay="0"/>
+                                  </p:stCondLst>
+                                  <p:childTnLst>
+                                    <p:set>
+                                      <p:cBhvr>
+                                        <p:cTn dur="1" fill="hold">
+                                          <p:stCondLst>
+                                            <p:cond delay="0"/>
+                                          </p:stCondLst>
+                                        </p:cTn>
+                                        <p:tgtEl>
+                                          <p:spTgt spid="172"/>
+                                        </p:tgtEl>
+                                        <p:attrNameLst>
+                                          <p:attrName>style.visibility</p:attrName>
+                                        </p:attrNameLst>
+                                      </p:cBhvr>
+                                      <p:to>
+                                        <p:strVal val="visible"/>
+                                      </p:to>
+                                    </p:set>
+                                    <p:animEffect filter="fade" transition="in">
+                                      <p:cBhvr>
+                                        <p:cTn dur="1000"/>
+                                        <p:tgtEl>
+                                          <p:spTgt spid="172"/>
+                                        </p:tgtEl>
+                                      </p:cBhvr>
+                                    </p:animEffect>
+                                  </p:childTnLst>
+                                </p:cTn>
+                              </p:par>
+                            </p:childTnLst>
+                          </p:cTn>
+                        </p:par>
+                      </p:childTnLst>
+                    </p:cTn>
+                  </p:par>
+                  <p:par>
+                    <p:cTn fill="hold">
+                      <p:stCondLst>
+                        <p:cond delay="indefinite"/>
+                      </p:stCondLst>
+                      <p:childTnLst>
+                        <p:par>
+                          <p:cTn fill="hold">
+                            <p:stCondLst>
+                              <p:cond delay="0"/>
+                            </p:stCondLst>
+                            <p:childTnLst>
+                              <p:par>
+                                <p:cTn fill="hold" nodeType="clickEffect" presetClass="entr" presetID="10" presetSubtype="0">
+                                  <p:stCondLst>
+                                    <p:cond delay="0"/>
+                                  </p:stCondLst>
+                                  <p:childTnLst>
+                                    <p:set>
+                                      <p:cBhvr>
+                                        <p:cTn dur="1" fill="hold">
+                                          <p:stCondLst>
+                                            <p:cond delay="0"/>
+                                          </p:stCondLst>
+                                        </p:cTn>
+                                        <p:tgtEl>
+                                          <p:spTgt spid="174"/>
+                                        </p:tgtEl>
+                                        <p:attrNameLst>
+                                          <p:attrName>style.visibility</p:attrName>
+                                        </p:attrNameLst>
+                                      </p:cBhvr>
+                                      <p:to>
+                                        <p:strVal val="visible"/>
+                                      </p:to>
+                                    </p:set>
+                                    <p:animEffect filter="fade" transition="in">
+                                      <p:cBhvr>
+                                        <p:cTn dur="1000"/>
+                                        <p:tgtEl>
+                                          <p:spTgt spid="174"/>
+                                        </p:tgtEl>
+                                      </p:cBhvr>
+                                    </p:animEffect>
+                                  </p:childTnLst>
+                                </p:cTn>
+                              </p:par>
+                            </p:childTnLst>
+                          </p:cTn>
+                        </p:par>
+                      </p:childTnLst>
+                    </p:cTn>
+                  </p:par>
+                  <p:par>
+                    <p:cTn fill="hold">
+                      <p:stCondLst>
+                        <p:cond delay="indefinite"/>
+                      </p:stCondLst>
+                      <p:childTnLst>
+                        <p:par>
+                          <p:cTn fill="hold">
+                            <p:stCondLst>
+                              <p:cond delay="0"/>
+                            </p:stCondLst>
+                            <p:childTnLst>
+                              <p:par>
+                                <p:cTn fill="hold" nodeType="clickEffect" presetClass="entr" presetID="10" presetSubtype="0">
+                                  <p:stCondLst>
+                                    <p:cond delay="0"/>
+                                  </p:stCondLst>
+                                  <p:childTnLst>
+                                    <p:set>
+                                      <p:cBhvr>
+                                        <p:cTn dur="1" fill="hold">
+                                          <p:stCondLst>
+                                            <p:cond delay="0"/>
+                                          </p:stCondLst>
+                                        </p:cTn>
+                                        <p:tgtEl>
+                                          <p:spTgt spid="173"/>
+                                        </p:tgtEl>
+                                        <p:attrNameLst>
+                                          <p:attrName>style.visibility</p:attrName>
+                                        </p:attrNameLst>
+                                      </p:cBhvr>
+                                      <p:to>
+                                        <p:strVal val="visible"/>
+                                      </p:to>
+                                    </p:set>
+                                    <p:animEffect filter="fade" transition="in">
+                                      <p:cBhvr>
+                                        <p:cTn dur="1000"/>
+                                        <p:tgtEl>
+                                          <p:spTgt spid="173"/>
+                                        </p:tgtEl>
+                                      </p:cBhvr>
+                                    </p:animEffect>
+                                  </p:childTnLst>
+                                </p:cTn>
+                              </p:par>
+                            </p:childTnLst>
+                          </p:cTn>
+                        </p:par>
+                      </p:childTnLst>
+                    </p:cTn>
+                  </p:par>
+                </p:childTnLst>
+              </p:cTn>
+              <p:prevCondLst>
+                <p:cond evt="onPrev">
+                  <p:tgtEl>
+                    <p:sldTgt/>
+                  </p:tgtEl>
+                </p:cond>
+              </p:prevCondLst>
+              <p:nextCondLst>
+                <p:cond evt="onNext">
+                  <p:tgtEl>
+                    <p:sldTgt/>
+                  </p:tgtEl>
+                </p:cond>
+              </p:nextCondLst>
+            </p:seq>
+          </p:childTnLst>
+        </p:cTn>
+      </p:par>
+    </p:tnLst>
+  </p:timing>
 </p:sld>
 </file>
 
@@ -8601,7 +10207,7 @@
   <p:cSld>
     <p:spTree>
       <p:nvGrpSpPr>
-        <p:cNvPr id="175" name="Shape 175"/>
+        <p:cNvPr id="178" name="Shape 178"/>
         <p:cNvGrpSpPr/>
         <p:nvPr/>
       </p:nvGrpSpPr>
@@ -8615,7 +10221,7 @@
       </p:grpSpPr>
       <p:sp>
         <p:nvSpPr>
-          <p:cNvPr id="176" name="Google Shape;176;p30"/>
+          <p:cNvPr id="179" name="Google Shape;179;p30"/>
           <p:cNvSpPr txBox="1"/>
           <p:nvPr>
             <p:ph type="title"/>
@@ -10601,6 +12207,285 @@
 </file>
 
 <file path=ppt/theme/theme1.xml><?xml version="1.0" encoding="utf-8"?>
+<a:theme xmlns:a="http://schemas.openxmlformats.org/drawingml/2006/main" xmlns:r="http://schemas.openxmlformats.org/officeDocument/2006/relationships" name="Simple Dark">
+  <a:themeElements>
+    <a:clrScheme name="Simple Dark">
+      <a:dk1>
+        <a:srgbClr val="FFFFFF"/>
+      </a:dk1>
+      <a:lt1>
+        <a:srgbClr val="212121"/>
+      </a:lt1>
+      <a:dk2>
+        <a:srgbClr val="303030"/>
+      </a:dk2>
+      <a:lt2>
+        <a:srgbClr val="ADADAD"/>
+      </a:lt2>
+      <a:accent1>
+        <a:srgbClr val="009688"/>
+      </a:accent1>
+      <a:accent2>
+        <a:srgbClr val="EEEEEE"/>
+      </a:accent2>
+      <a:accent3>
+        <a:srgbClr val="78909C"/>
+      </a:accent3>
+      <a:accent4>
+        <a:srgbClr val="FFAB40"/>
+      </a:accent4>
+      <a:accent5>
+        <a:srgbClr val="4DD0E1"/>
+      </a:accent5>
+      <a:accent6>
+        <a:srgbClr val="EEFF41"/>
+      </a:accent6>
+      <a:hlink>
+        <a:srgbClr val="4DD0E1"/>
+      </a:hlink>
+      <a:folHlink>
+        <a:srgbClr val="4DD0E1"/>
+      </a:folHlink>
+    </a:clrScheme>
+    <a:fontScheme name="Office">
+      <a:majorFont>
+        <a:latin typeface="Arial"/>
+        <a:ea typeface=""/>
+        <a:cs typeface=""/>
+        <a:font script="Jpan" typeface="ＭＳ Ｐゴシック"/>
+        <a:font script="Hang" typeface="맑은 고딕"/>
+        <a:font script="Hans" typeface="宋体"/>
+        <a:font script="Hant" typeface="新細明體"/>
+        <a:font script="Arab" typeface="Times New Roman"/>
+        <a:font script="Hebr" typeface="Times New Roman"/>
+        <a:font script="Thai" typeface="Angsana New"/>
+        <a:font script="Ethi" typeface="Nyala"/>
+        <a:font script="Beng" typeface="Vrinda"/>
+        <a:font script="Gujr" typeface="Shruti"/>
+        <a:font script="Khmr" typeface="MoolBoran"/>
+        <a:font script="Knda" typeface="Tunga"/>
+        <a:font script="Guru" typeface="Raavi"/>
+        <a:font script="Cans" typeface="Euphemia"/>
+        <a:font script="Cher" typeface="Plantagenet Cherokee"/>
+        <a:font script="Yiii" typeface="Microsoft Yi Baiti"/>
+        <a:font script="Tibt" typeface="Microsoft Himalaya"/>
+        <a:font script="Thaa" typeface="MV Boli"/>
+        <a:font script="Deva" typeface="Mangal"/>
+        <a:font script="Telu" typeface="Gautami"/>
+        <a:font script="Taml" typeface="Latha"/>
+        <a:font script="Syrc" typeface="Estrangelo Edessa"/>
+        <a:font script="Orya" typeface="Kalinga"/>
+        <a:font script="Mlym" typeface="Kartika"/>
+        <a:font script="Laoo" typeface="DokChampa"/>
+        <a:font script="Sinh" typeface="Iskoola Pota"/>
+        <a:font script="Mong" typeface="Mongolian Baiti"/>
+        <a:font script="Viet" typeface="Times New Roman"/>
+        <a:font script="Uigh" typeface="Microsoft Uighur"/>
+        <a:font script="Geor" typeface="Sylfaen"/>
+      </a:majorFont>
+      <a:minorFont>
+        <a:latin typeface="Arial"/>
+        <a:ea typeface=""/>
+        <a:cs typeface=""/>
+        <a:font script="Jpan" typeface="ＭＳ Ｐゴシック"/>
+        <a:font script="Hang" typeface="맑은 고딕"/>
+        <a:font script="Hans" typeface="宋体"/>
+        <a:font script="Hant" typeface="新細明體"/>
+        <a:font script="Arab" typeface="Arial"/>
+        <a:font script="Hebr" typeface="Arial"/>
+        <a:font script="Thai" typeface="Cordia New"/>
+        <a:font script="Ethi" typeface="Nyala"/>
+        <a:font script="Beng" typeface="Vrinda"/>
+        <a:font script="Gujr" typeface="Shruti"/>
+        <a:font script="Khmr" typeface="DaunPenh"/>
+        <a:font script="Knda" typeface="Tunga"/>
+        <a:font script="Guru" typeface="Raavi"/>
+        <a:font script="Cans" typeface="Euphemia"/>
+        <a:font script="Cher" typeface="Plantagenet Cherokee"/>
+        <a:font script="Yiii" typeface="Microsoft Yi Baiti"/>
+        <a:font script="Tibt" typeface="Microsoft Himalaya"/>
+        <a:font script="Thaa" typeface="MV Boli"/>
+        <a:font script="Deva" typeface="Mangal"/>
+        <a:font script="Telu" typeface="Gautami"/>
+        <a:font script="Taml" typeface="Latha"/>
+        <a:font script="Syrc" typeface="Estrangelo Edessa"/>
+        <a:font script="Orya" typeface="Kalinga"/>
+        <a:font script="Mlym" typeface="Kartika"/>
+        <a:font script="Laoo" typeface="DokChampa"/>
+        <a:font script="Sinh" typeface="Iskoola Pota"/>
+        <a:font script="Mong" typeface="Mongolian Baiti"/>
+        <a:font script="Viet" typeface="Arial"/>
+        <a:font script="Uigh" typeface="Microsoft Uighur"/>
+        <a:font script="Geor" typeface="Sylfaen"/>
+      </a:minorFont>
+    </a:fontScheme>
+    <a:fmtScheme name="Office">
+      <a:fillStyleLst>
+        <a:solidFill>
+          <a:schemeClr val="phClr"/>
+        </a:solidFill>
+        <a:gradFill rotWithShape="1">
+          <a:gsLst>
+            <a:gs pos="0">
+              <a:schemeClr val="phClr">
+                <a:tint val="50000"/>
+                <a:satMod val="300000"/>
+              </a:schemeClr>
+            </a:gs>
+            <a:gs pos="35000">
+              <a:schemeClr val="phClr">
+                <a:tint val="37000"/>
+                <a:satMod val="300000"/>
+              </a:schemeClr>
+            </a:gs>
+            <a:gs pos="100000">
+              <a:schemeClr val="phClr">
+                <a:tint val="15000"/>
+                <a:satMod val="350000"/>
+              </a:schemeClr>
+            </a:gs>
+          </a:gsLst>
+          <a:lin ang="16200000" scaled="1"/>
+        </a:gradFill>
+        <a:gradFill rotWithShape="1">
+          <a:gsLst>
+            <a:gs pos="0">
+              <a:schemeClr val="phClr">
+                <a:tint val="100000"/>
+                <a:shade val="100000"/>
+                <a:satMod val="130000"/>
+              </a:schemeClr>
+            </a:gs>
+            <a:gs pos="100000">
+              <a:schemeClr val="phClr">
+                <a:tint val="50000"/>
+                <a:shade val="100000"/>
+                <a:satMod val="350000"/>
+              </a:schemeClr>
+            </a:gs>
+          </a:gsLst>
+          <a:lin ang="16200000" scaled="0"/>
+        </a:gradFill>
+      </a:fillStyleLst>
+      <a:lnStyleLst>
+        <a:ln w="9525" cap="flat" cmpd="sng" algn="ctr">
+          <a:solidFill>
+            <a:schemeClr val="phClr">
+              <a:shade val="95000"/>
+              <a:satMod val="105000"/>
+            </a:schemeClr>
+          </a:solidFill>
+          <a:prstDash val="solid"/>
+        </a:ln>
+        <a:ln w="25400" cap="flat" cmpd="sng" algn="ctr">
+          <a:solidFill>
+            <a:schemeClr val="phClr"/>
+          </a:solidFill>
+          <a:prstDash val="solid"/>
+        </a:ln>
+        <a:ln w="38100" cap="flat" cmpd="sng" algn="ctr">
+          <a:solidFill>
+            <a:schemeClr val="phClr"/>
+          </a:solidFill>
+          <a:prstDash val="solid"/>
+        </a:ln>
+      </a:lnStyleLst>
+      <a:effectStyleLst>
+        <a:effectStyle>
+          <a:effectLst>
+            <a:outerShdw blurRad="40000" dist="20000" dir="5400000" rotWithShape="0">
+              <a:srgbClr val="000000">
+                <a:alpha val="38000"/>
+              </a:srgbClr>
+            </a:outerShdw>
+          </a:effectLst>
+        </a:effectStyle>
+        <a:effectStyle>
+          <a:effectLst>
+            <a:outerShdw blurRad="40000" dist="23000" dir="5400000" rotWithShape="0">
+              <a:srgbClr val="000000">
+                <a:alpha val="35000"/>
+              </a:srgbClr>
+            </a:outerShdw>
+          </a:effectLst>
+        </a:effectStyle>
+        <a:effectStyle>
+          <a:effectLst>
+            <a:outerShdw blurRad="40000" dist="23000" dir="5400000" rotWithShape="0">
+              <a:srgbClr val="000000">
+                <a:alpha val="35000"/>
+              </a:srgbClr>
+            </a:outerShdw>
+          </a:effectLst>
+          <a:scene3d>
+            <a:camera prst="orthographicFront">
+              <a:rot lat="0" lon="0" rev="0"/>
+            </a:camera>
+            <a:lightRig rig="threePt" dir="t">
+              <a:rot lat="0" lon="0" rev="1200000"/>
+            </a:lightRig>
+          </a:scene3d>
+          <a:sp3d>
+            <a:bevelT w="63500" h="25400"/>
+          </a:sp3d>
+        </a:effectStyle>
+      </a:effectStyleLst>
+      <a:bgFillStyleLst>
+        <a:solidFill>
+          <a:schemeClr val="phClr"/>
+        </a:solidFill>
+        <a:gradFill rotWithShape="1">
+          <a:gsLst>
+            <a:gs pos="0">
+              <a:schemeClr val="phClr">
+                <a:tint val="40000"/>
+                <a:satMod val="350000"/>
+              </a:schemeClr>
+            </a:gs>
+            <a:gs pos="40000">
+              <a:schemeClr val="phClr">
+                <a:tint val="45000"/>
+                <a:shade val="99000"/>
+                <a:satMod val="350000"/>
+              </a:schemeClr>
+            </a:gs>
+            <a:gs pos="100000">
+              <a:schemeClr val="phClr">
+                <a:shade val="20000"/>
+                <a:satMod val="255000"/>
+              </a:schemeClr>
+            </a:gs>
+          </a:gsLst>
+          <a:path path="circle">
+            <a:fillToRect l="50000" t="-80000" r="50000" b="180000"/>
+          </a:path>
+        </a:gradFill>
+        <a:gradFill rotWithShape="1">
+          <a:gsLst>
+            <a:gs pos="0">
+              <a:schemeClr val="phClr">
+                <a:tint val="80000"/>
+                <a:satMod val="300000"/>
+              </a:schemeClr>
+            </a:gs>
+            <a:gs pos="100000">
+              <a:schemeClr val="phClr">
+                <a:shade val="30000"/>
+                <a:satMod val="200000"/>
+              </a:schemeClr>
+            </a:gs>
+          </a:gsLst>
+          <a:path path="circle">
+            <a:fillToRect l="50000" t="50000" r="50000" b="50000"/>
+          </a:path>
+        </a:gradFill>
+      </a:bgFillStyleLst>
+    </a:fmtScheme>
+  </a:themeElements>
+</a:theme>
+</file>
+
+<file path=ppt/theme/theme2.xml><?xml version="1.0" encoding="utf-8"?>
 <a:theme xmlns:a="http://schemas.openxmlformats.org/drawingml/2006/main" xmlns:r="http://schemas.openxmlformats.org/officeDocument/2006/relationships">
   <a:themeElements>
     <a:clrScheme name="Default">
@@ -10877,283 +12762,4 @@
     </a:fmtScheme>
   </a:themeElements>
 </a:theme>
-</file>
-
-<file path=ppt/theme/theme2.xml><?xml version="1.0" encoding="utf-8"?>
-<a:theme xmlns:a="http://schemas.openxmlformats.org/drawingml/2006/main" xmlns:r="http://schemas.openxmlformats.org/officeDocument/2006/relationships" name="Simple Dark">
-  <a:themeElements>
-    <a:clrScheme name="Simple Dark">
-      <a:dk1>
-        <a:srgbClr val="FFFFFF"/>
-      </a:dk1>
-      <a:lt1>
-        <a:srgbClr val="212121"/>
-      </a:lt1>
-      <a:dk2>
-        <a:srgbClr val="303030"/>
-      </a:dk2>
-      <a:lt2>
-        <a:srgbClr val="ADADAD"/>
-      </a:lt2>
-      <a:accent1>
-        <a:srgbClr val="009688"/>
-      </a:accent1>
-      <a:accent2>
-        <a:srgbClr val="EEEEEE"/>
-      </a:accent2>
-      <a:accent3>
-        <a:srgbClr val="78909C"/>
-      </a:accent3>
-      <a:accent4>
-        <a:srgbClr val="FFAB40"/>
-      </a:accent4>
-      <a:accent5>
-        <a:srgbClr val="4DD0E1"/>
-      </a:accent5>
-      <a:accent6>
-        <a:srgbClr val="EEFF41"/>
-      </a:accent6>
-      <a:hlink>
-        <a:srgbClr val="4DD0E1"/>
-      </a:hlink>
-      <a:folHlink>
-        <a:srgbClr val="4DD0E1"/>
-      </a:folHlink>
-    </a:clrScheme>
-    <a:fontScheme name="Office">
-      <a:majorFont>
-        <a:latin typeface="Arial"/>
-        <a:ea typeface=""/>
-        <a:cs typeface=""/>
-        <a:font script="Jpan" typeface="ＭＳ Ｐゴシック"/>
-        <a:font script="Hang" typeface="맑은 고딕"/>
-        <a:font script="Hans" typeface="宋体"/>
-        <a:font script="Hant" typeface="新細明體"/>
-        <a:font script="Arab" typeface="Times New Roman"/>
-        <a:font script="Hebr" typeface="Times New Roman"/>
-        <a:font script="Thai" typeface="Angsana New"/>
-        <a:font script="Ethi" typeface="Nyala"/>
-        <a:font script="Beng" typeface="Vrinda"/>
-        <a:font script="Gujr" typeface="Shruti"/>
-        <a:font script="Khmr" typeface="MoolBoran"/>
-        <a:font script="Knda" typeface="Tunga"/>
-        <a:font script="Guru" typeface="Raavi"/>
-        <a:font script="Cans" typeface="Euphemia"/>
-        <a:font script="Cher" typeface="Plantagenet Cherokee"/>
-        <a:font script="Yiii" typeface="Microsoft Yi Baiti"/>
-        <a:font script="Tibt" typeface="Microsoft Himalaya"/>
-        <a:font script="Thaa" typeface="MV Boli"/>
-        <a:font script="Deva" typeface="Mangal"/>
-        <a:font script="Telu" typeface="Gautami"/>
-        <a:font script="Taml" typeface="Latha"/>
-        <a:font script="Syrc" typeface="Estrangelo Edessa"/>
-        <a:font script="Orya" typeface="Kalinga"/>
-        <a:font script="Mlym" typeface="Kartika"/>
-        <a:font script="Laoo" typeface="DokChampa"/>
-        <a:font script="Sinh" typeface="Iskoola Pota"/>
-        <a:font script="Mong" typeface="Mongolian Baiti"/>
-        <a:font script="Viet" typeface="Times New Roman"/>
-        <a:font script="Uigh" typeface="Microsoft Uighur"/>
-        <a:font script="Geor" typeface="Sylfaen"/>
-      </a:majorFont>
-      <a:minorFont>
-        <a:latin typeface="Arial"/>
-        <a:ea typeface=""/>
-        <a:cs typeface=""/>
-        <a:font script="Jpan" typeface="ＭＳ Ｐゴシック"/>
-        <a:font script="Hang" typeface="맑은 고딕"/>
-        <a:font script="Hans" typeface="宋体"/>
-        <a:font script="Hant" typeface="新細明體"/>
-        <a:font script="Arab" typeface="Arial"/>
-        <a:font script="Hebr" typeface="Arial"/>
-        <a:font script="Thai" typeface="Cordia New"/>
-        <a:font script="Ethi" typeface="Nyala"/>
-        <a:font script="Beng" typeface="Vrinda"/>
-        <a:font script="Gujr" typeface="Shruti"/>
-        <a:font script="Khmr" typeface="DaunPenh"/>
-        <a:font script="Knda" typeface="Tunga"/>
-        <a:font script="Guru" typeface="Raavi"/>
-        <a:font script="Cans" typeface="Euphemia"/>
-        <a:font script="Cher" typeface="Plantagenet Cherokee"/>
-        <a:font script="Yiii" typeface="Microsoft Yi Baiti"/>
-        <a:font script="Tibt" typeface="Microsoft Himalaya"/>
-        <a:font script="Thaa" typeface="MV Boli"/>
-        <a:font script="Deva" typeface="Mangal"/>
-        <a:font script="Telu" typeface="Gautami"/>
-        <a:font script="Taml" typeface="Latha"/>
-        <a:font script="Syrc" typeface="Estrangelo Edessa"/>
-        <a:font script="Orya" typeface="Kalinga"/>
-        <a:font script="Mlym" typeface="Kartika"/>
-        <a:font script="Laoo" typeface="DokChampa"/>
-        <a:font script="Sinh" typeface="Iskoola Pota"/>
-        <a:font script="Mong" typeface="Mongolian Baiti"/>
-        <a:font script="Viet" typeface="Arial"/>
-        <a:font script="Uigh" typeface="Microsoft Uighur"/>
-        <a:font script="Geor" typeface="Sylfaen"/>
-      </a:minorFont>
-    </a:fontScheme>
-    <a:fmtScheme name="Office">
-      <a:fillStyleLst>
-        <a:solidFill>
-          <a:schemeClr val="phClr"/>
-        </a:solidFill>
-        <a:gradFill rotWithShape="1">
-          <a:gsLst>
-            <a:gs pos="0">
-              <a:schemeClr val="phClr">
-                <a:tint val="50000"/>
-                <a:satMod val="300000"/>
-              </a:schemeClr>
-            </a:gs>
-            <a:gs pos="35000">
-              <a:schemeClr val="phClr">
-                <a:tint val="37000"/>
-                <a:satMod val="300000"/>
-              </a:schemeClr>
-            </a:gs>
-            <a:gs pos="100000">
-              <a:schemeClr val="phClr">
-                <a:tint val="15000"/>
-                <a:satMod val="350000"/>
-              </a:schemeClr>
-            </a:gs>
-          </a:gsLst>
-          <a:lin ang="16200000" scaled="1"/>
-        </a:gradFill>
-        <a:gradFill rotWithShape="1">
-          <a:gsLst>
-            <a:gs pos="0">
-              <a:schemeClr val="phClr">
-                <a:tint val="100000"/>
-                <a:shade val="100000"/>
-                <a:satMod val="130000"/>
-              </a:schemeClr>
-            </a:gs>
-            <a:gs pos="100000">
-              <a:schemeClr val="phClr">
-                <a:tint val="50000"/>
-                <a:shade val="100000"/>
-                <a:satMod val="350000"/>
-              </a:schemeClr>
-            </a:gs>
-          </a:gsLst>
-          <a:lin ang="16200000" scaled="0"/>
-        </a:gradFill>
-      </a:fillStyleLst>
-      <a:lnStyleLst>
-        <a:ln w="9525" cap="flat" cmpd="sng" algn="ctr">
-          <a:solidFill>
-            <a:schemeClr val="phClr">
-              <a:shade val="95000"/>
-              <a:satMod val="105000"/>
-            </a:schemeClr>
-          </a:solidFill>
-          <a:prstDash val="solid"/>
-        </a:ln>
-        <a:ln w="25400" cap="flat" cmpd="sng" algn="ctr">
-          <a:solidFill>
-            <a:schemeClr val="phClr"/>
-          </a:solidFill>
-          <a:prstDash val="solid"/>
-        </a:ln>
-        <a:ln w="38100" cap="flat" cmpd="sng" algn="ctr">
-          <a:solidFill>
-            <a:schemeClr val="phClr"/>
-          </a:solidFill>
-          <a:prstDash val="solid"/>
-        </a:ln>
-      </a:lnStyleLst>
-      <a:effectStyleLst>
-        <a:effectStyle>
-          <a:effectLst>
-            <a:outerShdw blurRad="40000" dist="20000" dir="5400000" rotWithShape="0">
-              <a:srgbClr val="000000">
-                <a:alpha val="38000"/>
-              </a:srgbClr>
-            </a:outerShdw>
-          </a:effectLst>
-        </a:effectStyle>
-        <a:effectStyle>
-          <a:effectLst>
-            <a:outerShdw blurRad="40000" dist="23000" dir="5400000" rotWithShape="0">
-              <a:srgbClr val="000000">
-                <a:alpha val="35000"/>
-              </a:srgbClr>
-            </a:outerShdw>
-          </a:effectLst>
-        </a:effectStyle>
-        <a:effectStyle>
-          <a:effectLst>
-            <a:outerShdw blurRad="40000" dist="23000" dir="5400000" rotWithShape="0">
-              <a:srgbClr val="000000">
-                <a:alpha val="35000"/>
-              </a:srgbClr>
-            </a:outerShdw>
-          </a:effectLst>
-          <a:scene3d>
-            <a:camera prst="orthographicFront">
-              <a:rot lat="0" lon="0" rev="0"/>
-            </a:camera>
-            <a:lightRig rig="threePt" dir="t">
-              <a:rot lat="0" lon="0" rev="1200000"/>
-            </a:lightRig>
-          </a:scene3d>
-          <a:sp3d>
-            <a:bevelT w="63500" h="25400"/>
-          </a:sp3d>
-        </a:effectStyle>
-      </a:effectStyleLst>
-      <a:bgFillStyleLst>
-        <a:solidFill>
-          <a:schemeClr val="phClr"/>
-        </a:solidFill>
-        <a:gradFill rotWithShape="1">
-          <a:gsLst>
-            <a:gs pos="0">
-              <a:schemeClr val="phClr">
-                <a:tint val="40000"/>
-                <a:satMod val="350000"/>
-              </a:schemeClr>
-            </a:gs>
-            <a:gs pos="40000">
-              <a:schemeClr val="phClr">
-                <a:tint val="45000"/>
-                <a:shade val="99000"/>
-                <a:satMod val="350000"/>
-              </a:schemeClr>
-            </a:gs>
-            <a:gs pos="100000">
-              <a:schemeClr val="phClr">
-                <a:shade val="20000"/>
-                <a:satMod val="255000"/>
-              </a:schemeClr>
-            </a:gs>
-          </a:gsLst>
-          <a:path path="circle">
-            <a:fillToRect l="50000" t="-80000" r="50000" b="180000"/>
-          </a:path>
-        </a:gradFill>
-        <a:gradFill rotWithShape="1">
-          <a:gsLst>
-            <a:gs pos="0">
-              <a:schemeClr val="phClr">
-                <a:tint val="80000"/>
-                <a:satMod val="300000"/>
-              </a:schemeClr>
-            </a:gs>
-            <a:gs pos="100000">
-              <a:schemeClr val="phClr">
-                <a:shade val="30000"/>
-                <a:satMod val="200000"/>
-              </a:schemeClr>
-            </a:gs>
-          </a:gsLst>
-          <a:path path="circle">
-            <a:fillToRect l="50000" t="50000" r="50000" b="50000"/>
-          </a:path>
-        </a:gradFill>
-      </a:bgFillStyleLst>
-    </a:fmtScheme>
-  </a:themeElements>
-</a:theme>
 </file>